--- a/slides/Keypad.pptx
+++ b/slides/Keypad.pptx
@@ -14,7 +14,7 @@
     <p:sldId id="267" r:id="rId8"/>
     <p:sldId id="262" r:id="rId9"/>
     <p:sldId id="264" r:id="rId10"/>
-    <p:sldId id="265" r:id="rId11"/>
+    <p:sldId id="269" r:id="rId11"/>
     <p:sldId id="268" r:id="rId12"/>
     <p:sldId id="257" r:id="rId13"/>
     <p:sldId id="263" r:id="rId14"/>
@@ -255,7 +255,7 @@
           <a:p>
             <a:fld id="{392BF4E9-1251-4136-A1D3-F6E885C3BBCD}" type="datetimeFigureOut">
               <a:rPr lang="en-US" smtClean="0"/>
-              <a:t>11/7/2019</a:t>
+              <a:t>12/17/2019</a:t>
             </a:fld>
             <a:endParaRPr lang="en-US"/>
           </a:p>
@@ -425,7 +425,7 @@
           <a:p>
             <a:fld id="{392BF4E9-1251-4136-A1D3-F6E885C3BBCD}" type="datetimeFigureOut">
               <a:rPr lang="en-US" smtClean="0"/>
-              <a:t>11/7/2019</a:t>
+              <a:t>12/17/2019</a:t>
             </a:fld>
             <a:endParaRPr lang="en-US"/>
           </a:p>
@@ -605,7 +605,7 @@
           <a:p>
             <a:fld id="{392BF4E9-1251-4136-A1D3-F6E885C3BBCD}" type="datetimeFigureOut">
               <a:rPr lang="en-US" smtClean="0"/>
-              <a:t>11/7/2019</a:t>
+              <a:t>12/17/2019</a:t>
             </a:fld>
             <a:endParaRPr lang="en-US"/>
           </a:p>
@@ -775,7 +775,7 @@
           <a:p>
             <a:fld id="{392BF4E9-1251-4136-A1D3-F6E885C3BBCD}" type="datetimeFigureOut">
               <a:rPr lang="en-US" smtClean="0"/>
-              <a:t>11/7/2019</a:t>
+              <a:t>12/17/2019</a:t>
             </a:fld>
             <a:endParaRPr lang="en-US"/>
           </a:p>
@@ -1021,7 +1021,7 @@
           <a:p>
             <a:fld id="{392BF4E9-1251-4136-A1D3-F6E885C3BBCD}" type="datetimeFigureOut">
               <a:rPr lang="en-US" smtClean="0"/>
-              <a:t>11/7/2019</a:t>
+              <a:t>12/17/2019</a:t>
             </a:fld>
             <a:endParaRPr lang="en-US"/>
           </a:p>
@@ -1253,7 +1253,7 @@
           <a:p>
             <a:fld id="{392BF4E9-1251-4136-A1D3-F6E885C3BBCD}" type="datetimeFigureOut">
               <a:rPr lang="en-US" smtClean="0"/>
-              <a:t>11/7/2019</a:t>
+              <a:t>12/17/2019</a:t>
             </a:fld>
             <a:endParaRPr lang="en-US"/>
           </a:p>
@@ -1620,7 +1620,7 @@
           <a:p>
             <a:fld id="{392BF4E9-1251-4136-A1D3-F6E885C3BBCD}" type="datetimeFigureOut">
               <a:rPr lang="en-US" smtClean="0"/>
-              <a:t>11/7/2019</a:t>
+              <a:t>12/17/2019</a:t>
             </a:fld>
             <a:endParaRPr lang="en-US"/>
           </a:p>
@@ -1738,7 +1738,7 @@
           <a:p>
             <a:fld id="{392BF4E9-1251-4136-A1D3-F6E885C3BBCD}" type="datetimeFigureOut">
               <a:rPr lang="en-US" smtClean="0"/>
-              <a:t>11/7/2019</a:t>
+              <a:t>12/17/2019</a:t>
             </a:fld>
             <a:endParaRPr lang="en-US"/>
           </a:p>
@@ -1833,7 +1833,7 @@
           <a:p>
             <a:fld id="{392BF4E9-1251-4136-A1D3-F6E885C3BBCD}" type="datetimeFigureOut">
               <a:rPr lang="en-US" smtClean="0"/>
-              <a:t>11/7/2019</a:t>
+              <a:t>12/17/2019</a:t>
             </a:fld>
             <a:endParaRPr lang="en-US"/>
           </a:p>
@@ -2110,7 +2110,7 @@
           <a:p>
             <a:fld id="{392BF4E9-1251-4136-A1D3-F6E885C3BBCD}" type="datetimeFigureOut">
               <a:rPr lang="en-US" smtClean="0"/>
-              <a:t>11/7/2019</a:t>
+              <a:t>12/17/2019</a:t>
             </a:fld>
             <a:endParaRPr lang="en-US"/>
           </a:p>
@@ -2363,7 +2363,7 @@
           <a:p>
             <a:fld id="{392BF4E9-1251-4136-A1D3-F6E885C3BBCD}" type="datetimeFigureOut">
               <a:rPr lang="en-US" smtClean="0"/>
-              <a:t>11/7/2019</a:t>
+              <a:t>12/17/2019</a:t>
             </a:fld>
             <a:endParaRPr lang="en-US"/>
           </a:p>
@@ -2576,7 +2576,7 @@
           <a:p>
             <a:fld id="{392BF4E9-1251-4136-A1D3-F6E885C3BBCD}" type="datetimeFigureOut">
               <a:rPr lang="en-US" smtClean="0"/>
-              <a:t>11/7/2019</a:t>
+              <a:t>12/17/2019</a:t>
             </a:fld>
             <a:endParaRPr lang="en-US"/>
           </a:p>
@@ -3104,19 +3104,14 @@
             <p:ph type="title"/>
           </p:nvPr>
         </p:nvSpPr>
-        <p:spPr>
-          <a:xfrm>
-            <a:off x="293914" y="163286"/>
-            <a:ext cx="10428514" cy="787174"/>
-          </a:xfrm>
-        </p:spPr>
+        <p:spPr/>
         <p:txBody>
           <a:bodyPr/>
           <a:lstStyle/>
           <a:p>
             <a:r>
               <a:rPr lang="en-US" dirty="0" smtClean="0"/>
-              <a:t>Keypad HAL</a:t>
+              <a:t>KEYPAD Layered Architecture</a:t>
             </a:r>
             <a:endParaRPr lang="en-US" dirty="0"/>
           </a:p>
@@ -3132,16 +3127,38 @@
             <p:ph idx="1"/>
           </p:nvPr>
         </p:nvSpPr>
-        <p:spPr>
-          <a:xfrm>
-            <a:off x="457200" y="1251857"/>
-            <a:ext cx="10896600" cy="4925106"/>
-          </a:xfrm>
-        </p:spPr>
-        <p:txBody>
-          <a:bodyPr/>
-          <a:lstStyle/>
-          <a:p>
+        <p:spPr/>
+        <p:txBody>
+          <a:bodyPr/>
+          <a:lstStyle/>
+          <a:p>
+            <a:r>
+              <a:rPr lang="en-US" dirty="0" err="1" smtClean="0"/>
+              <a:t>Keypad.h</a:t>
+            </a:r>
+            <a:r>
+              <a:rPr lang="en-US" dirty="0" smtClean="0"/>
+              <a:t> is included in </a:t>
+            </a:r>
+            <a:r>
+              <a:rPr lang="en-US" dirty="0" err="1" smtClean="0"/>
+              <a:t>keypad.c</a:t>
+            </a:r>
+            <a:endParaRPr lang="en-US" dirty="0" smtClean="0"/>
+          </a:p>
+          <a:p>
+            <a:r>
+              <a:rPr lang="en-US" dirty="0" err="1" smtClean="0"/>
+              <a:t>Keypad_cfg.h</a:t>
+            </a:r>
+            <a:r>
+              <a:rPr lang="en-US" dirty="0" smtClean="0"/>
+              <a:t> included in </a:t>
+            </a:r>
+            <a:r>
+              <a:rPr lang="en-US" dirty="0" err="1" smtClean="0"/>
+              <a:t>keypad.h</a:t>
+            </a:r>
             <a:endParaRPr lang="en-US" dirty="0"/>
           </a:p>
         </p:txBody>
@@ -3154,8 +3171,8 @@
         </p:nvSpPr>
         <p:spPr>
           <a:xfrm>
-            <a:off x="1105468" y="3070746"/>
-            <a:ext cx="1897039" cy="928047"/>
+            <a:off x="4979158" y="2917784"/>
+            <a:ext cx="2538484" cy="1023582"/>
           </a:xfrm>
           <a:prstGeom prst="rect">
             <a:avLst/>
@@ -3182,27 +3199,178 @@
           <a:lstStyle/>
           <a:p>
             <a:pPr algn="ctr"/>
-            <a:endParaRPr lang="en-US"/>
-          </a:p>
-        </p:txBody>
-      </p:sp>
+            <a:r>
+              <a:rPr lang="en-US" dirty="0" err="1" smtClean="0"/>
+              <a:t>Keypad.c</a:t>
+            </a:r>
+            <a:endParaRPr lang="en-US" dirty="0"/>
+          </a:p>
+        </p:txBody>
+      </p:sp>
+      <p:sp>
+        <p:nvSpPr>
+          <p:cNvPr id="6" name="Rectangle 5"/>
+          <p:cNvSpPr/>
+          <p:nvPr/>
+        </p:nvSpPr>
+        <p:spPr>
+          <a:xfrm>
+            <a:off x="1143000" y="4886503"/>
+            <a:ext cx="2538484" cy="1023582"/>
+          </a:xfrm>
+          <a:prstGeom prst="rect">
+            <a:avLst/>
+          </a:prstGeom>
+        </p:spPr>
+        <p:style>
+          <a:lnRef idx="2">
+            <a:schemeClr val="accent1">
+              <a:shade val="50000"/>
+            </a:schemeClr>
+          </a:lnRef>
+          <a:fillRef idx="1">
+            <a:schemeClr val="accent1"/>
+          </a:fillRef>
+          <a:effectRef idx="0">
+            <a:schemeClr val="accent1"/>
+          </a:effectRef>
+          <a:fontRef idx="minor">
+            <a:schemeClr val="lt1"/>
+          </a:fontRef>
+        </p:style>
+        <p:txBody>
+          <a:bodyPr rtlCol="0" anchor="ctr"/>
+          <a:lstStyle/>
+          <a:p>
+            <a:pPr algn="ctr"/>
+            <a:r>
+              <a:rPr lang="en-US" dirty="0" err="1" smtClean="0"/>
+              <a:t>Keypad_config.h</a:t>
+            </a:r>
+            <a:endParaRPr lang="en-US" dirty="0"/>
+          </a:p>
+        </p:txBody>
+      </p:sp>
+      <p:sp>
+        <p:nvSpPr>
+          <p:cNvPr id="7" name="Rectangle 6"/>
+          <p:cNvSpPr/>
+          <p:nvPr/>
+        </p:nvSpPr>
+        <p:spPr>
+          <a:xfrm>
+            <a:off x="4979158" y="4886503"/>
+            <a:ext cx="2538484" cy="1023582"/>
+          </a:xfrm>
+          <a:prstGeom prst="rect">
+            <a:avLst/>
+          </a:prstGeom>
+        </p:spPr>
+        <p:style>
+          <a:lnRef idx="2">
+            <a:schemeClr val="accent1">
+              <a:shade val="50000"/>
+            </a:schemeClr>
+          </a:lnRef>
+          <a:fillRef idx="1">
+            <a:schemeClr val="accent1"/>
+          </a:fillRef>
+          <a:effectRef idx="0">
+            <a:schemeClr val="accent1"/>
+          </a:effectRef>
+          <a:fontRef idx="minor">
+            <a:schemeClr val="lt1"/>
+          </a:fontRef>
+        </p:style>
+        <p:txBody>
+          <a:bodyPr rtlCol="0" anchor="ctr"/>
+          <a:lstStyle/>
+          <a:p>
+            <a:pPr algn="ctr"/>
+            <a:r>
+              <a:rPr lang="en-US" dirty="0" err="1" smtClean="0"/>
+              <a:t>keypad.h</a:t>
+            </a:r>
+            <a:endParaRPr lang="en-US" dirty="0"/>
+          </a:p>
+        </p:txBody>
+      </p:sp>
+      <p:cxnSp>
+        <p:nvCxnSpPr>
+          <p:cNvPr id="10" name="Straight Arrow Connector 9"/>
+          <p:cNvCxnSpPr/>
+          <p:nvPr/>
+        </p:nvCxnSpPr>
+        <p:spPr>
+          <a:xfrm>
+            <a:off x="3695700" y="5398294"/>
+            <a:ext cx="1283458" cy="0"/>
+          </a:xfrm>
+          <a:prstGeom prst="straightConnector1">
+            <a:avLst/>
+          </a:prstGeom>
+          <a:ln>
+            <a:tailEnd type="triangle"/>
+          </a:ln>
+        </p:spPr>
+        <p:style>
+          <a:lnRef idx="1">
+            <a:schemeClr val="accent1"/>
+          </a:lnRef>
+          <a:fillRef idx="0">
+            <a:schemeClr val="accent1"/>
+          </a:fillRef>
+          <a:effectRef idx="0">
+            <a:schemeClr val="accent1"/>
+          </a:effectRef>
+          <a:fontRef idx="minor">
+            <a:schemeClr val="tx1"/>
+          </a:fontRef>
+        </p:style>
+      </p:cxnSp>
+      <p:cxnSp>
+        <p:nvCxnSpPr>
+          <p:cNvPr id="11" name="Straight Arrow Connector 10"/>
+          <p:cNvCxnSpPr/>
+          <p:nvPr/>
+        </p:nvCxnSpPr>
+        <p:spPr>
+          <a:xfrm flipV="1">
+            <a:off x="6248400" y="3942379"/>
+            <a:ext cx="0" cy="1694218"/>
+          </a:xfrm>
+          <a:prstGeom prst="straightConnector1">
+            <a:avLst/>
+          </a:prstGeom>
+          <a:ln>
+            <a:tailEnd type="triangle"/>
+          </a:ln>
+        </p:spPr>
+        <p:style>
+          <a:lnRef idx="1">
+            <a:schemeClr val="accent1"/>
+          </a:lnRef>
+          <a:fillRef idx="0">
+            <a:schemeClr val="accent1"/>
+          </a:fillRef>
+          <a:effectRef idx="0">
+            <a:schemeClr val="accent1"/>
+          </a:effectRef>
+          <a:fontRef idx="minor">
+            <a:schemeClr val="tx1"/>
+          </a:fontRef>
+        </p:style>
+      </p:cxnSp>
     </p:spTree>
     <p:extLst>
       <p:ext uri="{BB962C8B-B14F-4D97-AF65-F5344CB8AC3E}">
-        <p14:creationId xmlns:p14="http://schemas.microsoft.com/office/powerpoint/2010/main" val="127806171"/>
+        <p14:creationId xmlns:p14="http://schemas.microsoft.com/office/powerpoint/2010/main" val="741404738"/>
       </p:ext>
     </p:extLst>
   </p:cSld>
   <p:clrMapOvr>
     <a:masterClrMapping/>
   </p:clrMapOvr>
-  <p:timing>
-    <p:tnLst>
-      <p:par>
-        <p:cTn id="1" dur="indefinite" restart="never" nodeType="tmRoot"/>
-      </p:par>
-    </p:tnLst>
-  </p:timing>
 </p:sld>
 </file>
 

--- a/slides/Keypad.pptx
+++ b/slides/Keypad.pptx
@@ -255,7 +255,7 @@
           <a:p>
             <a:fld id="{392BF4E9-1251-4136-A1D3-F6E885C3BBCD}" type="datetimeFigureOut">
               <a:rPr lang="en-US" smtClean="0"/>
-              <a:t>12/17/2019</a:t>
+              <a:t>4/9/2020</a:t>
             </a:fld>
             <a:endParaRPr lang="en-US"/>
           </a:p>
@@ -425,7 +425,7 @@
           <a:p>
             <a:fld id="{392BF4E9-1251-4136-A1D3-F6E885C3BBCD}" type="datetimeFigureOut">
               <a:rPr lang="en-US" smtClean="0"/>
-              <a:t>12/17/2019</a:t>
+              <a:t>4/9/2020</a:t>
             </a:fld>
             <a:endParaRPr lang="en-US"/>
           </a:p>
@@ -605,7 +605,7 @@
           <a:p>
             <a:fld id="{392BF4E9-1251-4136-A1D3-F6E885C3BBCD}" type="datetimeFigureOut">
               <a:rPr lang="en-US" smtClean="0"/>
-              <a:t>12/17/2019</a:t>
+              <a:t>4/9/2020</a:t>
             </a:fld>
             <a:endParaRPr lang="en-US"/>
           </a:p>
@@ -775,7 +775,7 @@
           <a:p>
             <a:fld id="{392BF4E9-1251-4136-A1D3-F6E885C3BBCD}" type="datetimeFigureOut">
               <a:rPr lang="en-US" smtClean="0"/>
-              <a:t>12/17/2019</a:t>
+              <a:t>4/9/2020</a:t>
             </a:fld>
             <a:endParaRPr lang="en-US"/>
           </a:p>
@@ -1021,7 +1021,7 @@
           <a:p>
             <a:fld id="{392BF4E9-1251-4136-A1D3-F6E885C3BBCD}" type="datetimeFigureOut">
               <a:rPr lang="en-US" smtClean="0"/>
-              <a:t>12/17/2019</a:t>
+              <a:t>4/9/2020</a:t>
             </a:fld>
             <a:endParaRPr lang="en-US"/>
           </a:p>
@@ -1253,7 +1253,7 @@
           <a:p>
             <a:fld id="{392BF4E9-1251-4136-A1D3-F6E885C3BBCD}" type="datetimeFigureOut">
               <a:rPr lang="en-US" smtClean="0"/>
-              <a:t>12/17/2019</a:t>
+              <a:t>4/9/2020</a:t>
             </a:fld>
             <a:endParaRPr lang="en-US"/>
           </a:p>
@@ -1620,7 +1620,7 @@
           <a:p>
             <a:fld id="{392BF4E9-1251-4136-A1D3-F6E885C3BBCD}" type="datetimeFigureOut">
               <a:rPr lang="en-US" smtClean="0"/>
-              <a:t>12/17/2019</a:t>
+              <a:t>4/9/2020</a:t>
             </a:fld>
             <a:endParaRPr lang="en-US"/>
           </a:p>
@@ -1738,7 +1738,7 @@
           <a:p>
             <a:fld id="{392BF4E9-1251-4136-A1D3-F6E885C3BBCD}" type="datetimeFigureOut">
               <a:rPr lang="en-US" smtClean="0"/>
-              <a:t>12/17/2019</a:t>
+              <a:t>4/9/2020</a:t>
             </a:fld>
             <a:endParaRPr lang="en-US"/>
           </a:p>
@@ -1833,7 +1833,7 @@
           <a:p>
             <a:fld id="{392BF4E9-1251-4136-A1D3-F6E885C3BBCD}" type="datetimeFigureOut">
               <a:rPr lang="en-US" smtClean="0"/>
-              <a:t>12/17/2019</a:t>
+              <a:t>4/9/2020</a:t>
             </a:fld>
             <a:endParaRPr lang="en-US"/>
           </a:p>
@@ -2110,7 +2110,7 @@
           <a:p>
             <a:fld id="{392BF4E9-1251-4136-A1D3-F6E885C3BBCD}" type="datetimeFigureOut">
               <a:rPr lang="en-US" smtClean="0"/>
-              <a:t>12/17/2019</a:t>
+              <a:t>4/9/2020</a:t>
             </a:fld>
             <a:endParaRPr lang="en-US"/>
           </a:p>
@@ -2363,7 +2363,7 @@
           <a:p>
             <a:fld id="{392BF4E9-1251-4136-A1D3-F6E885C3BBCD}" type="datetimeFigureOut">
               <a:rPr lang="en-US" smtClean="0"/>
-              <a:t>12/17/2019</a:t>
+              <a:t>4/9/2020</a:t>
             </a:fld>
             <a:endParaRPr lang="en-US"/>
           </a:p>
@@ -2576,7 +2576,7 @@
           <a:p>
             <a:fld id="{392BF4E9-1251-4136-A1D3-F6E885C3BBCD}" type="datetimeFigureOut">
               <a:rPr lang="en-US" smtClean="0"/>
-              <a:t>12/17/2019</a:t>
+              <a:t>4/9/2020</a:t>
             </a:fld>
             <a:endParaRPr lang="en-US"/>
           </a:p>
@@ -3057,6 +3057,36 @@
           </a:prstGeom>
         </p:spPr>
       </p:pic>
+      <p:pic>
+        <p:nvPicPr>
+          <p:cNvPr id="5" name="Picture 4"/>
+          <p:cNvPicPr>
+            <a:picLocks noChangeAspect="1"/>
+          </p:cNvPicPr>
+          <p:nvPr/>
+        </p:nvPicPr>
+        <p:blipFill>
+          <a:blip r:embed="rId2" cstate="print">
+            <a:extLst>
+              <a:ext uri="{28A0092B-C50C-407E-A947-70E740481C1C}">
+                <a14:useLocalDpi xmlns:a14="http://schemas.microsoft.com/office/drawing/2010/main" val="0"/>
+              </a:ext>
+            </a:extLst>
+          </a:blip>
+          <a:stretch>
+            <a:fillRect/>
+          </a:stretch>
+        </p:blipFill>
+        <p:spPr>
+          <a:xfrm>
+            <a:off x="10470107" y="5783889"/>
+            <a:ext cx="1519347" cy="1074111"/>
+          </a:xfrm>
+          <a:prstGeom prst="rect">
+            <a:avLst/>
+          </a:prstGeom>
+        </p:spPr>
+      </p:pic>
     </p:spTree>
     <p:extLst>
       <p:ext uri="{BB962C8B-B14F-4D97-AF65-F5344CB8AC3E}">
@@ -3361,6 +3391,36 @@
           </a:fontRef>
         </p:style>
       </p:cxnSp>
+      <p:pic>
+        <p:nvPicPr>
+          <p:cNvPr id="9" name="Picture 8"/>
+          <p:cNvPicPr>
+            <a:picLocks noChangeAspect="1"/>
+          </p:cNvPicPr>
+          <p:nvPr/>
+        </p:nvPicPr>
+        <p:blipFill>
+          <a:blip r:embed="rId2" cstate="print">
+            <a:extLst>
+              <a:ext uri="{28A0092B-C50C-407E-A947-70E740481C1C}">
+                <a14:useLocalDpi xmlns:a14="http://schemas.microsoft.com/office/drawing/2010/main" val="0"/>
+              </a:ext>
+            </a:extLst>
+          </a:blip>
+          <a:stretch>
+            <a:fillRect/>
+          </a:stretch>
+        </p:blipFill>
+        <p:spPr>
+          <a:xfrm>
+            <a:off x="10438551" y="5741535"/>
+            <a:ext cx="1519347" cy="1074111"/>
+          </a:xfrm>
+          <a:prstGeom prst="rect">
+            <a:avLst/>
+          </a:prstGeom>
+        </p:spPr>
+      </p:pic>
     </p:spTree>
     <p:extLst>
       <p:ext uri="{BB962C8B-B14F-4D97-AF65-F5344CB8AC3E}">
@@ -3446,6 +3506,36 @@
           </a:p>
         </p:txBody>
       </p:sp>
+      <p:pic>
+        <p:nvPicPr>
+          <p:cNvPr id="4" name="Picture 3"/>
+          <p:cNvPicPr>
+            <a:picLocks noChangeAspect="1"/>
+          </p:cNvPicPr>
+          <p:nvPr/>
+        </p:nvPicPr>
+        <p:blipFill>
+          <a:blip r:embed="rId2" cstate="print">
+            <a:extLst>
+              <a:ext uri="{28A0092B-C50C-407E-A947-70E740481C1C}">
+                <a14:useLocalDpi xmlns:a14="http://schemas.microsoft.com/office/drawing/2010/main" val="0"/>
+              </a:ext>
+            </a:extLst>
+          </a:blip>
+          <a:stretch>
+            <a:fillRect/>
+          </a:stretch>
+        </p:blipFill>
+        <p:spPr>
+          <a:xfrm>
+            <a:off x="10438551" y="5741535"/>
+            <a:ext cx="1519347" cy="1074111"/>
+          </a:xfrm>
+          <a:prstGeom prst="rect">
+            <a:avLst/>
+          </a:prstGeom>
+        </p:spPr>
+      </p:pic>
     </p:spTree>
     <p:extLst>
       <p:ext uri="{BB962C8B-B14F-4D97-AF65-F5344CB8AC3E}">
@@ -3551,6 +3641,36 @@
               </a14:hiddenFill>
             </a:ext>
           </a:extLst>
+        </p:spPr>
+      </p:pic>
+      <p:pic>
+        <p:nvPicPr>
+          <p:cNvPr id="4" name="Picture 3"/>
+          <p:cNvPicPr>
+            <a:picLocks noChangeAspect="1"/>
+          </p:cNvPicPr>
+          <p:nvPr/>
+        </p:nvPicPr>
+        <p:blipFill>
+          <a:blip r:embed="rId3" cstate="print">
+            <a:extLst>
+              <a:ext uri="{28A0092B-C50C-407E-A947-70E740481C1C}">
+                <a14:useLocalDpi xmlns:a14="http://schemas.microsoft.com/office/drawing/2010/main" val="0"/>
+              </a:ext>
+            </a:extLst>
+          </a:blip>
+          <a:stretch>
+            <a:fillRect/>
+          </a:stretch>
+        </p:blipFill>
+        <p:spPr>
+          <a:xfrm>
+            <a:off x="10438551" y="5741535"/>
+            <a:ext cx="1519347" cy="1074111"/>
+          </a:xfrm>
+          <a:prstGeom prst="rect">
+            <a:avLst/>
+          </a:prstGeom>
         </p:spPr>
       </p:pic>
     </p:spTree>
@@ -3662,6 +3782,36 @@
           </a:p>
         </p:txBody>
       </p:sp>
+      <p:pic>
+        <p:nvPicPr>
+          <p:cNvPr id="4" name="Picture 3"/>
+          <p:cNvPicPr>
+            <a:picLocks noChangeAspect="1"/>
+          </p:cNvPicPr>
+          <p:nvPr/>
+        </p:nvPicPr>
+        <p:blipFill>
+          <a:blip r:embed="rId5" cstate="print">
+            <a:extLst>
+              <a:ext uri="{28A0092B-C50C-407E-A947-70E740481C1C}">
+                <a14:useLocalDpi xmlns:a14="http://schemas.microsoft.com/office/drawing/2010/main" val="0"/>
+              </a:ext>
+            </a:extLst>
+          </a:blip>
+          <a:stretch>
+            <a:fillRect/>
+          </a:stretch>
+        </p:blipFill>
+        <p:spPr>
+          <a:xfrm>
+            <a:off x="10438551" y="5741535"/>
+            <a:ext cx="1519347" cy="1074111"/>
+          </a:xfrm>
+          <a:prstGeom prst="rect">
+            <a:avLst/>
+          </a:prstGeom>
+        </p:spPr>
+      </p:pic>
     </p:spTree>
     <p:extLst>
       <p:ext uri="{BB962C8B-B14F-4D97-AF65-F5344CB8AC3E}">
@@ -3867,6 +4017,36 @@
               </a14:hiddenFill>
             </a:ext>
           </a:extLst>
+        </p:spPr>
+      </p:pic>
+      <p:pic>
+        <p:nvPicPr>
+          <p:cNvPr id="7" name="Picture 6"/>
+          <p:cNvPicPr>
+            <a:picLocks noChangeAspect="1"/>
+          </p:cNvPicPr>
+          <p:nvPr/>
+        </p:nvPicPr>
+        <p:blipFill>
+          <a:blip r:embed="rId4" cstate="print">
+            <a:extLst>
+              <a:ext uri="{28A0092B-C50C-407E-A947-70E740481C1C}">
+                <a14:useLocalDpi xmlns:a14="http://schemas.microsoft.com/office/drawing/2010/main" val="0"/>
+              </a:ext>
+            </a:extLst>
+          </a:blip>
+          <a:stretch>
+            <a:fillRect/>
+          </a:stretch>
+        </p:blipFill>
+        <p:spPr>
+          <a:xfrm>
+            <a:off x="10438551" y="5741535"/>
+            <a:ext cx="1519347" cy="1074111"/>
+          </a:xfrm>
+          <a:prstGeom prst="rect">
+            <a:avLst/>
+          </a:prstGeom>
         </p:spPr>
       </p:pic>
     </p:spTree>
@@ -4072,6 +4252,36 @@
           </a:extLst>
         </p:spPr>
       </p:pic>
+      <p:pic>
+        <p:nvPicPr>
+          <p:cNvPr id="6" name="Picture 5"/>
+          <p:cNvPicPr>
+            <a:picLocks noChangeAspect="1"/>
+          </p:cNvPicPr>
+          <p:nvPr/>
+        </p:nvPicPr>
+        <p:blipFill>
+          <a:blip r:embed="rId4" cstate="print">
+            <a:extLst>
+              <a:ext uri="{28A0092B-C50C-407E-A947-70E740481C1C}">
+                <a14:useLocalDpi xmlns:a14="http://schemas.microsoft.com/office/drawing/2010/main" val="0"/>
+              </a:ext>
+            </a:extLst>
+          </a:blip>
+          <a:stretch>
+            <a:fillRect/>
+          </a:stretch>
+        </p:blipFill>
+        <p:spPr>
+          <a:xfrm>
+            <a:off x="10438551" y="5741535"/>
+            <a:ext cx="1519347" cy="1074111"/>
+          </a:xfrm>
+          <a:prstGeom prst="rect">
+            <a:avLst/>
+          </a:prstGeom>
+        </p:spPr>
+      </p:pic>
     </p:spTree>
     <p:extLst>
       <p:ext uri="{BB962C8B-B14F-4D97-AF65-F5344CB8AC3E}">
@@ -4278,6 +4488,36 @@
           </a:p>
         </p:txBody>
       </p:sp>
+      <p:pic>
+        <p:nvPicPr>
+          <p:cNvPr id="5" name="Picture 4"/>
+          <p:cNvPicPr>
+            <a:picLocks noChangeAspect="1"/>
+          </p:cNvPicPr>
+          <p:nvPr/>
+        </p:nvPicPr>
+        <p:blipFill>
+          <a:blip r:embed="rId3" cstate="print">
+            <a:extLst>
+              <a:ext uri="{28A0092B-C50C-407E-A947-70E740481C1C}">
+                <a14:useLocalDpi xmlns:a14="http://schemas.microsoft.com/office/drawing/2010/main" val="0"/>
+              </a:ext>
+            </a:extLst>
+          </a:blip>
+          <a:stretch>
+            <a:fillRect/>
+          </a:stretch>
+        </p:blipFill>
+        <p:spPr>
+          <a:xfrm>
+            <a:off x="10438551" y="5741535"/>
+            <a:ext cx="1519347" cy="1074111"/>
+          </a:xfrm>
+          <a:prstGeom prst="rect">
+            <a:avLst/>
+          </a:prstGeom>
+        </p:spPr>
+      </p:pic>
     </p:spTree>
     <p:extLst>
       <p:ext uri="{BB962C8B-B14F-4D97-AF65-F5344CB8AC3E}">
@@ -4489,6 +4729,36 @@
           </a:p>
         </p:txBody>
       </p:sp>
+      <p:pic>
+        <p:nvPicPr>
+          <p:cNvPr id="5" name="Picture 4"/>
+          <p:cNvPicPr>
+            <a:picLocks noChangeAspect="1"/>
+          </p:cNvPicPr>
+          <p:nvPr/>
+        </p:nvPicPr>
+        <p:blipFill>
+          <a:blip r:embed="rId3" cstate="print">
+            <a:extLst>
+              <a:ext uri="{28A0092B-C50C-407E-A947-70E740481C1C}">
+                <a14:useLocalDpi xmlns:a14="http://schemas.microsoft.com/office/drawing/2010/main" val="0"/>
+              </a:ext>
+            </a:extLst>
+          </a:blip>
+          <a:stretch>
+            <a:fillRect/>
+          </a:stretch>
+        </p:blipFill>
+        <p:spPr>
+          <a:xfrm>
+            <a:off x="10438551" y="5741535"/>
+            <a:ext cx="1519347" cy="1074111"/>
+          </a:xfrm>
+          <a:prstGeom prst="rect">
+            <a:avLst/>
+          </a:prstGeom>
+        </p:spPr>
+      </p:pic>
     </p:spTree>
     <p:extLst>
       <p:ext uri="{BB962C8B-B14F-4D97-AF65-F5344CB8AC3E}">
@@ -4845,6 +5115,36 @@
           </a:p>
         </p:txBody>
       </p:sp>
+      <p:pic>
+        <p:nvPicPr>
+          <p:cNvPr id="7" name="Picture 6"/>
+          <p:cNvPicPr>
+            <a:picLocks noChangeAspect="1"/>
+          </p:cNvPicPr>
+          <p:nvPr/>
+        </p:nvPicPr>
+        <p:blipFill>
+          <a:blip r:embed="rId4" cstate="print">
+            <a:extLst>
+              <a:ext uri="{28A0092B-C50C-407E-A947-70E740481C1C}">
+                <a14:useLocalDpi xmlns:a14="http://schemas.microsoft.com/office/drawing/2010/main" val="0"/>
+              </a:ext>
+            </a:extLst>
+          </a:blip>
+          <a:stretch>
+            <a:fillRect/>
+          </a:stretch>
+        </p:blipFill>
+        <p:spPr>
+          <a:xfrm>
+            <a:off x="10438551" y="5741535"/>
+            <a:ext cx="1519347" cy="1074111"/>
+          </a:xfrm>
+          <a:prstGeom prst="rect">
+            <a:avLst/>
+          </a:prstGeom>
+        </p:spPr>
+      </p:pic>
     </p:spTree>
     <p:extLst>
       <p:ext uri="{BB962C8B-B14F-4D97-AF65-F5344CB8AC3E}">
@@ -5174,6 +5474,36 @@
           </a:p>
         </p:txBody>
       </p:sp>
+      <p:pic>
+        <p:nvPicPr>
+          <p:cNvPr id="6" name="Picture 5"/>
+          <p:cNvPicPr>
+            <a:picLocks noChangeAspect="1"/>
+          </p:cNvPicPr>
+          <p:nvPr/>
+        </p:nvPicPr>
+        <p:blipFill>
+          <a:blip r:embed="rId3" cstate="print">
+            <a:extLst>
+              <a:ext uri="{28A0092B-C50C-407E-A947-70E740481C1C}">
+                <a14:useLocalDpi xmlns:a14="http://schemas.microsoft.com/office/drawing/2010/main" val="0"/>
+              </a:ext>
+            </a:extLst>
+          </a:blip>
+          <a:stretch>
+            <a:fillRect/>
+          </a:stretch>
+        </p:blipFill>
+        <p:spPr>
+          <a:xfrm>
+            <a:off x="10876163" y="5954323"/>
+            <a:ext cx="1204565" cy="851574"/>
+          </a:xfrm>
+          <a:prstGeom prst="rect">
+            <a:avLst/>
+          </a:prstGeom>
+        </p:spPr>
+      </p:pic>
     </p:spTree>
     <p:extLst>
       <p:ext uri="{BB962C8B-B14F-4D97-AF65-F5344CB8AC3E}">
@@ -5297,6 +5627,36 @@
           <a:xfrm>
             <a:off x="1828800" y="3849461"/>
             <a:ext cx="7915275" cy="2867025"/>
+          </a:xfrm>
+          <a:prstGeom prst="rect">
+            <a:avLst/>
+          </a:prstGeom>
+        </p:spPr>
+      </p:pic>
+      <p:pic>
+        <p:nvPicPr>
+          <p:cNvPr id="5" name="Picture 4"/>
+          <p:cNvPicPr>
+            <a:picLocks noChangeAspect="1"/>
+          </p:cNvPicPr>
+          <p:nvPr/>
+        </p:nvPicPr>
+        <p:blipFill>
+          <a:blip r:embed="rId3" cstate="print">
+            <a:extLst>
+              <a:ext uri="{28A0092B-C50C-407E-A947-70E740481C1C}">
+                <a14:useLocalDpi xmlns:a14="http://schemas.microsoft.com/office/drawing/2010/main" val="0"/>
+              </a:ext>
+            </a:extLst>
+          </a:blip>
+          <a:stretch>
+            <a:fillRect/>
+          </a:stretch>
+        </p:blipFill>
+        <p:spPr>
+          <a:xfrm>
+            <a:off x="10438551" y="5741535"/>
+            <a:ext cx="1519347" cy="1074111"/>
           </a:xfrm>
           <a:prstGeom prst="rect">
             <a:avLst/>
@@ -5386,6 +5746,36 @@
           <a:xfrm>
             <a:off x="315685" y="1328057"/>
             <a:ext cx="9134475" cy="5048250"/>
+          </a:xfrm>
+          <a:prstGeom prst="rect">
+            <a:avLst/>
+          </a:prstGeom>
+        </p:spPr>
+      </p:pic>
+      <p:pic>
+        <p:nvPicPr>
+          <p:cNvPr id="4" name="Picture 3"/>
+          <p:cNvPicPr>
+            <a:picLocks noChangeAspect="1"/>
+          </p:cNvPicPr>
+          <p:nvPr/>
+        </p:nvPicPr>
+        <p:blipFill>
+          <a:blip r:embed="rId3" cstate="print">
+            <a:extLst>
+              <a:ext uri="{28A0092B-C50C-407E-A947-70E740481C1C}">
+                <a14:useLocalDpi xmlns:a14="http://schemas.microsoft.com/office/drawing/2010/main" val="0"/>
+              </a:ext>
+            </a:extLst>
+          </a:blip>
+          <a:stretch>
+            <a:fillRect/>
+          </a:stretch>
+        </p:blipFill>
+        <p:spPr>
+          <a:xfrm>
+            <a:off x="10438551" y="5741535"/>
+            <a:ext cx="1519347" cy="1074111"/>
           </a:xfrm>
           <a:prstGeom prst="rect">
             <a:avLst/>
